--- a/PHP_penserini - OOP.pptx
+++ b/PHP_penserini - OOP.pptx
@@ -241,7 +241,7 @@
           <a:p>
             <a:fld id="{5FDFFA78-17EB-4768-9A43-F830EFC27556}" type="datetimeFigureOut">
               <a:rPr lang="it-IT" smtClean="0"/>
-              <a:t>24/01/2022</a:t>
+              <a:t>27/01/2022</a:t>
             </a:fld>
             <a:endParaRPr lang="it-IT"/>
           </a:p>
@@ -1324,7 +1324,7 @@
           <a:p>
             <a:fld id="{9265CF76-28F3-4B1D-B69F-1852ADDE6A3D}" type="datetime1">
               <a:rPr lang="it-IT" smtClean="0"/>
-              <a:t>24/01/2022</a:t>
+              <a:t>27/01/2022</a:t>
             </a:fld>
             <a:endParaRPr lang="it-IT"/>
           </a:p>
@@ -1678,7 +1678,7 @@
           <a:p>
             <a:fld id="{1273B68E-C3CC-41AE-A693-0E82AF9918EB}" type="datetime1">
               <a:rPr lang="it-IT" smtClean="0"/>
-              <a:t>24/01/2022</a:t>
+              <a:t>27/01/2022</a:t>
             </a:fld>
             <a:endParaRPr lang="it-IT"/>
           </a:p>
@@ -2095,7 +2095,7 @@
           <a:p>
             <a:fld id="{C0B152A9-256D-4CA3-9BF6-80F46495BB06}" type="datetime1">
               <a:rPr lang="it-IT" smtClean="0"/>
-              <a:t>24/01/2022</a:t>
+              <a:t>27/01/2022</a:t>
             </a:fld>
             <a:endParaRPr lang="it-IT"/>
           </a:p>
@@ -2447,7 +2447,7 @@
           <a:p>
             <a:fld id="{54E9ABBC-2E7A-48EC-A728-F329F6D43770}" type="datetime1">
               <a:rPr lang="it-IT" smtClean="0"/>
-              <a:t>24/01/2022</a:t>
+              <a:t>27/01/2022</a:t>
             </a:fld>
             <a:endParaRPr lang="it-IT"/>
           </a:p>
@@ -2783,7 +2783,7 @@
           <a:p>
             <a:fld id="{213FE0C4-DCA2-492C-B412-B15C181E3492}" type="datetime1">
               <a:rPr lang="it-IT" smtClean="0"/>
-              <a:t>24/01/2022</a:t>
+              <a:t>27/01/2022</a:t>
             </a:fld>
             <a:endParaRPr lang="it-IT"/>
           </a:p>
@@ -3195,7 +3195,7 @@
           <a:p>
             <a:fld id="{B76BDB10-B3EF-4875-9166-4F3332DCA482}" type="datetime1">
               <a:rPr lang="it-IT" smtClean="0"/>
-              <a:t>24/01/2022</a:t>
+              <a:t>27/01/2022</a:t>
             </a:fld>
             <a:endParaRPr lang="it-IT"/>
           </a:p>
@@ -3468,7 +3468,7 @@
           <a:p>
             <a:fld id="{4A682E0A-C597-4B79-A8BA-D6E838997CD1}" type="datetime1">
               <a:rPr lang="it-IT" smtClean="0"/>
-              <a:t>24/01/2022</a:t>
+              <a:t>27/01/2022</a:t>
             </a:fld>
             <a:endParaRPr lang="it-IT"/>
           </a:p>
@@ -3746,7 +3746,7 @@
           <a:p>
             <a:fld id="{4FD30589-8EDB-4815-916C-AE3009654FF2}" type="datetime1">
               <a:rPr lang="it-IT" smtClean="0"/>
-              <a:t>24/01/2022</a:t>
+              <a:t>27/01/2022</a:t>
             </a:fld>
             <a:endParaRPr lang="it-IT"/>
           </a:p>
@@ -4024,7 +4024,7 @@
           <a:p>
             <a:fld id="{403387AF-3211-44C6-8632-18C0F14AE654}" type="datetime1">
               <a:rPr lang="it-IT" smtClean="0"/>
-              <a:t>24/01/2022</a:t>
+              <a:t>27/01/2022</a:t>
             </a:fld>
             <a:endParaRPr lang="it-IT"/>
           </a:p>
@@ -4369,7 +4369,7 @@
           <a:p>
             <a:fld id="{4461E58A-E41F-48FA-80DF-949480C49C1C}" type="datetime1">
               <a:rPr lang="it-IT" smtClean="0"/>
-              <a:t>24/01/2022</a:t>
+              <a:t>27/01/2022</a:t>
             </a:fld>
             <a:endParaRPr lang="it-IT"/>
           </a:p>
@@ -4805,7 +4805,7 @@
           <a:p>
             <a:fld id="{36E2F146-4EE1-41D8-B76C-59D6B71F3A55}" type="datetime1">
               <a:rPr lang="it-IT" smtClean="0"/>
-              <a:t>24/01/2022</a:t>
+              <a:t>27/01/2022</a:t>
             </a:fld>
             <a:endParaRPr lang="it-IT"/>
           </a:p>
@@ -5278,7 +5278,7 @@
           <a:p>
             <a:fld id="{9DCB802F-2907-4E94-B37B-7A8E77527E98}" type="datetime1">
               <a:rPr lang="it-IT" smtClean="0"/>
-              <a:t>24/01/2022</a:t>
+              <a:t>27/01/2022</a:t>
             </a:fld>
             <a:endParaRPr lang="it-IT"/>
           </a:p>
@@ -5499,7 +5499,7 @@
           <a:p>
             <a:fld id="{B3AF3D61-3577-4737-968C-1623CCE2F998}" type="datetime1">
               <a:rPr lang="it-IT" smtClean="0"/>
-              <a:t>24/01/2022</a:t>
+              <a:t>27/01/2022</a:t>
             </a:fld>
             <a:endParaRPr lang="it-IT"/>
           </a:p>
@@ -5692,7 +5692,7 @@
           <a:p>
             <a:fld id="{EFB37331-7B79-4788-991F-1F35BDCA9D6F}" type="datetime1">
               <a:rPr lang="it-IT" smtClean="0"/>
-              <a:t>24/01/2022</a:t>
+              <a:t>27/01/2022</a:t>
             </a:fld>
             <a:endParaRPr lang="it-IT"/>
           </a:p>
@@ -6041,7 +6041,7 @@
           <a:p>
             <a:fld id="{6E63D306-2376-4784-B65D-32DDF5FB79B7}" type="datetime1">
               <a:rPr lang="it-IT" smtClean="0"/>
-              <a:t>24/01/2022</a:t>
+              <a:t>27/01/2022</a:t>
             </a:fld>
             <a:endParaRPr lang="it-IT"/>
           </a:p>
@@ -6402,7 +6402,7 @@
           <a:p>
             <a:fld id="{1FEED4A7-ED5E-41A9-86A8-554F6433AC72}" type="datetime1">
               <a:rPr lang="it-IT" smtClean="0"/>
-              <a:t>24/01/2022</a:t>
+              <a:t>27/01/2022</a:t>
             </a:fld>
             <a:endParaRPr lang="it-IT"/>
           </a:p>
@@ -8535,7 +8535,7 @@
           <a:p>
             <a:fld id="{D2696B28-77D3-41CF-B20A-431AEE11E3A4}" type="datetime1">
               <a:rPr lang="it-IT" smtClean="0"/>
-              <a:t>24/01/2022</a:t>
+              <a:t>27/01/2022</a:t>
             </a:fld>
             <a:endParaRPr lang="it-IT"/>
           </a:p>
@@ -11428,14 +11428,14 @@
           <a:effectLst/>
           <a:extLst>
             <a:ext uri="{909E8E84-426E-40dd-AFC4-6F175D3DCCD1}">
-              <a14:hiddenFill xmlns="" xmlns:a14="http://schemas.microsoft.com/office/drawing/2010/main">
+              <a14:hiddenFill xmlns:a14="http://schemas.microsoft.com/office/drawing/2010/main" xmlns="">
                 <a:solidFill>
                   <a:schemeClr val="accent1"/>
                 </a:solidFill>
               </a14:hiddenFill>
             </a:ext>
             <a:ext uri="{91240B29-F687-4f45-9708-019B960494DF}">
-              <a14:hiddenLine xmlns="" xmlns:a14="http://schemas.microsoft.com/office/drawing/2010/main" w="9525">
+              <a14:hiddenLine xmlns:a14="http://schemas.microsoft.com/office/drawing/2010/main" xmlns="" w="9525">
                 <a:solidFill>
                   <a:schemeClr val="tx1"/>
                 </a:solidFill>
@@ -11445,7 +11445,7 @@
               </a14:hiddenLine>
             </a:ext>
             <a:ext uri="{AF507438-7753-43e0-B8FC-AC1667EBCBE1}">
-              <a14:hiddenEffects xmlns="" xmlns:a14="http://schemas.microsoft.com/office/drawing/2010/main">
+              <a14:hiddenEffects xmlns:a14="http://schemas.microsoft.com/office/drawing/2010/main" xmlns="">
                 <a:effectLst>
                   <a:outerShdw blurRad="63500" dist="38099" dir="2700000" algn="ctr" rotWithShape="0">
                     <a:schemeClr val="bg2">
@@ -11543,14 +11543,14 @@
           <a:effectLst/>
           <a:extLst>
             <a:ext uri="{909E8E84-426E-40dd-AFC4-6F175D3DCCD1}">
-              <a14:hiddenFill xmlns="" xmlns:a14="http://schemas.microsoft.com/office/drawing/2010/main">
+              <a14:hiddenFill xmlns:a14="http://schemas.microsoft.com/office/drawing/2010/main" xmlns="">
                 <a:solidFill>
                   <a:schemeClr val="accent1"/>
                 </a:solidFill>
               </a14:hiddenFill>
             </a:ext>
             <a:ext uri="{91240B29-F687-4f45-9708-019B960494DF}">
-              <a14:hiddenLine xmlns="" xmlns:a14="http://schemas.microsoft.com/office/drawing/2010/main" w="9525">
+              <a14:hiddenLine xmlns:a14="http://schemas.microsoft.com/office/drawing/2010/main" xmlns="" w="9525">
                 <a:solidFill>
                   <a:schemeClr val="tx1"/>
                 </a:solidFill>
@@ -11560,7 +11560,7 @@
               </a14:hiddenLine>
             </a:ext>
             <a:ext uri="{AF507438-7753-43e0-B8FC-AC1667EBCBE1}">
-              <a14:hiddenEffects xmlns="" xmlns:a14="http://schemas.microsoft.com/office/drawing/2010/main">
+              <a14:hiddenEffects xmlns:a14="http://schemas.microsoft.com/office/drawing/2010/main" xmlns="">
                 <a:effectLst>
                   <a:outerShdw blurRad="63500" dist="38099" dir="2700000" algn="ctr" rotWithShape="0">
                     <a:schemeClr val="bg2">
@@ -11658,14 +11658,14 @@
           <a:effectLst/>
           <a:extLst>
             <a:ext uri="{909E8E84-426E-40dd-AFC4-6F175D3DCCD1}">
-              <a14:hiddenFill xmlns="" xmlns:a14="http://schemas.microsoft.com/office/drawing/2010/main">
+              <a14:hiddenFill xmlns:a14="http://schemas.microsoft.com/office/drawing/2010/main" xmlns="">
                 <a:solidFill>
                   <a:schemeClr val="accent1"/>
                 </a:solidFill>
               </a14:hiddenFill>
             </a:ext>
             <a:ext uri="{91240B29-F687-4f45-9708-019B960494DF}">
-              <a14:hiddenLine xmlns="" xmlns:a14="http://schemas.microsoft.com/office/drawing/2010/main" w="9525">
+              <a14:hiddenLine xmlns:a14="http://schemas.microsoft.com/office/drawing/2010/main" xmlns="" w="9525">
                 <a:solidFill>
                   <a:schemeClr val="tx1"/>
                 </a:solidFill>
@@ -11675,7 +11675,7 @@
               </a14:hiddenLine>
             </a:ext>
             <a:ext uri="{AF507438-7753-43e0-B8FC-AC1667EBCBE1}">
-              <a14:hiddenEffects xmlns="" xmlns:a14="http://schemas.microsoft.com/office/drawing/2010/main">
+              <a14:hiddenEffects xmlns:a14="http://schemas.microsoft.com/office/drawing/2010/main" xmlns="">
                 <a:effectLst>
                   <a:outerShdw blurRad="63500" dist="38099" dir="2700000" algn="ctr" rotWithShape="0">
                     <a:schemeClr val="bg2">
@@ -11814,14 +11814,14 @@
           <a:effectLst/>
           <a:extLst>
             <a:ext uri="{909E8E84-426E-40dd-AFC4-6F175D3DCCD1}">
-              <a14:hiddenFill xmlns="" xmlns:a14="http://schemas.microsoft.com/office/drawing/2010/main">
+              <a14:hiddenFill xmlns:a14="http://schemas.microsoft.com/office/drawing/2010/main" xmlns="">
                 <a:solidFill>
                   <a:schemeClr val="accent1"/>
                 </a:solidFill>
               </a14:hiddenFill>
             </a:ext>
             <a:ext uri="{91240B29-F687-4f45-9708-019B960494DF}">
-              <a14:hiddenLine xmlns="" xmlns:a14="http://schemas.microsoft.com/office/drawing/2010/main" w="9525">
+              <a14:hiddenLine xmlns:a14="http://schemas.microsoft.com/office/drawing/2010/main" xmlns="" w="9525">
                 <a:solidFill>
                   <a:schemeClr val="tx1"/>
                 </a:solidFill>
@@ -11831,7 +11831,7 @@
               </a14:hiddenLine>
             </a:ext>
             <a:ext uri="{AF507438-7753-43e0-B8FC-AC1667EBCBE1}">
-              <a14:hiddenEffects xmlns="" xmlns:a14="http://schemas.microsoft.com/office/drawing/2010/main">
+              <a14:hiddenEffects xmlns:a14="http://schemas.microsoft.com/office/drawing/2010/main" xmlns="">
                 <a:effectLst>
                   <a:outerShdw blurRad="63500" dist="38099" dir="2700000" algn="ctr" rotWithShape="0">
                     <a:schemeClr val="bg2">
@@ -13737,11 +13737,7 @@
             </a:r>
             <a:r>
               <a:rPr lang="it-IT" dirty="0" smtClean="0"/>
-              <a:t>di </a:t>
-            </a:r>
-            <a:r>
-              <a:rPr lang="it-IT" dirty="0" smtClean="0"/>
-              <a:t>Persona</a:t>
+              <a:t>di Persona</a:t>
             </a:r>
           </a:p>
           <a:p>
@@ -14312,15 +14308,7 @@
                   <a:srgbClr val="FF0000"/>
                 </a:solidFill>
               </a:rPr>
-              <a:t>TRAIT per superare </a:t>
-            </a:r>
-            <a:r>
-              <a:rPr lang="it-IT" b="1" dirty="0" smtClean="0">
-                <a:solidFill>
-                  <a:srgbClr val="FF0000"/>
-                </a:solidFill>
-              </a:rPr>
-              <a:t>limitazioni</a:t>
+              <a:t>TRAIT per superare limitazioni</a:t>
             </a:r>
             <a:endParaRPr lang="it-IT" b="1" dirty="0">
               <a:solidFill>
@@ -14390,23 +14378,7 @@
                   <a:schemeClr val="tx1"/>
                 </a:solidFill>
               </a:rPr>
-              <a:t>» per </a:t>
-            </a:r>
-            <a:r>
-              <a:rPr lang="it-IT" dirty="0" smtClean="0">
-                <a:solidFill>
-                  <a:schemeClr val="tx1"/>
-                </a:solidFill>
-              </a:rPr>
-              <a:t>poter utilizzare </a:t>
-            </a:r>
-            <a:r>
-              <a:rPr lang="it-IT" dirty="0" smtClean="0">
-                <a:solidFill>
-                  <a:schemeClr val="tx1"/>
-                </a:solidFill>
-              </a:rPr>
-              <a:t>metodi e/o variabili di altre classi. La differenza tra un TRAIT e l’ereditarietà multipla è che il TRAIT non viene ereditato ma incluso.</a:t>
+              <a:t>» per poter utilizzare metodi e/o variabili di altre classi. La differenza tra un TRAIT e l’ereditarietà multipla è che il TRAIT non viene ereditato ma incluso.</a:t>
             </a:r>
           </a:p>
           <a:p>
@@ -14421,11 +14393,6 @@
               </a:rPr>
               <a:t>Tuttavia, un loro eccessivo utilizzo porta ad un codice poco chiaro e comprensibile. </a:t>
             </a:r>
-            <a:endParaRPr lang="it-IT" dirty="0" smtClean="0">
-              <a:solidFill>
-                <a:schemeClr val="tx1"/>
-              </a:solidFill>
-            </a:endParaRPr>
           </a:p>
           <a:p>
             <a:pPr marL="0" indent="0" algn="just">
@@ -14439,11 +14406,6 @@
               </a:rPr>
               <a:t>Come è stato già detto, il PHP (come in Java) non prevede l’ereditarietà multipla. Quindi, il meccanismo del TRAIT consente di superare questa naturale limitazione.</a:t>
             </a:r>
-            <a:endParaRPr lang="it-IT" b="1" dirty="0" smtClean="0">
-              <a:solidFill>
-                <a:srgbClr val="3486F4"/>
-              </a:solidFill>
-            </a:endParaRPr>
           </a:p>
         </p:txBody>
       </p:sp>
